--- a/docs/deployment_guide/images/Tines Workflow Diagram.pptx
+++ b/docs/deployment_guide/images/Tines Workflow Diagram.pptx
@@ -40142,7 +40142,7 @@
                 <a:ea typeface="Amazon Ember" panose="020B0603020204020204" pitchFamily="34" charset="0"/>
                 <a:cs typeface="Arial" panose="020B0604020202020204" pitchFamily="34" charset="0"/>
               </a:rPr>
-              <a:t>EventBridge rules</a:t>
+              <a:t>EventBridge rule</a:t>
             </a:r>
           </a:p>
         </p:txBody>
